--- a/Final.pptx
+++ b/Final.pptx
@@ -111,6 +111,11 @@
       </a:defRPr>
     </a:lvl9pPr>
   </p:defaultTextStyle>
+  <p:extLst>
+    <p:ext uri="{EFAFB233-063F-42B5-8137-9DF3F51BA10A}">
+      <p15:sldGuideLst xmlns:p15="http://schemas.microsoft.com/office/powerpoint/2012/main"/>
+    </p:ext>
+  </p:extLst>
 </p:presentation>
 </file>
 
@@ -3034,7 +3039,6 @@
               <a:rPr lang="ru-RU" dirty="0" smtClean="0"/>
               <a:t>белорусский мастер</a:t>
             </a:r>
-            <a:endParaRPr lang="ru-RU" dirty="0" smtClean="0"/>
           </a:p>
           <a:p>
             <a:r>
@@ -3134,8 +3138,8 @@
         </p:blipFill>
         <p:spPr>
           <a:xfrm>
-            <a:off x="3495675" y="2534444"/>
-            <a:ext cx="5200650" cy="2933700"/>
+            <a:off x="2657605" y="2104372"/>
+            <a:ext cx="6876789" cy="4158642"/>
           </a:xfrm>
           <a:prstGeom prst="rect">
             <a:avLst/>
